--- a/presentation/TrafficSim.pptx
+++ b/presentation/TrafficSim.pptx
@@ -5,7 +5,7 @@
     <p:sldMasterId id="2147484005" r:id="rId1"/>
   </p:sldMasterIdLst>
   <p:notesMasterIdLst>
-    <p:notesMasterId r:id="rId13"/>
+    <p:notesMasterId r:id="rId15"/>
   </p:notesMasterIdLst>
   <p:sldIdLst>
     <p:sldId id="258" r:id="rId2"/>
@@ -19,6 +19,8 @@
     <p:sldId id="268" r:id="rId10"/>
     <p:sldId id="269" r:id="rId11"/>
     <p:sldId id="270" r:id="rId12"/>
+    <p:sldId id="271" r:id="rId13"/>
+    <p:sldId id="272" r:id="rId14"/>
   </p:sldIdLst>
   <p:sldSz cx="12192000" cy="6858000"/>
   <p:notesSz cx="6858000" cy="9144000"/>
@@ -120,22 +122,43 @@
   <p:extLst>
     <p:ext uri="{521415D9-36F7-43E2-AB2F-B90AF26B5E84}">
       <p14:sectionLst xmlns:p14="http://schemas.microsoft.com/office/powerpoint/2010/main">
-        <p14:section name="Untitled Section" id="{4B3A705F-A0CE-8E4D-B122-61059552035D}">
+        <p14:section name="Introduction" id="{4B3A705F-A0CE-8E4D-B122-61059552035D}">
           <p14:sldIdLst>
             <p14:sldId id="258"/>
             <p14:sldId id="261"/>
             <p14:sldId id="262"/>
+          </p14:sldIdLst>
+        </p14:section>
+        <p14:section name="Model" id="{2BCBC912-E98B-8240-8006-2D39C289B23E}">
+          <p14:sldIdLst>
             <p14:sldId id="263"/>
             <p14:sldId id="264"/>
             <p14:sldId id="265"/>
             <p14:sldId id="266"/>
+          </p14:sldIdLst>
+        </p14:section>
+        <p14:section name="Implementation" id="{D6521761-B57F-0346-93BF-023BBB222074}">
+          <p14:sldIdLst>
             <p14:sldId id="267"/>
             <p14:sldId id="268"/>
+          </p14:sldIdLst>
+        </p14:section>
+        <p14:section name="Results" id="{B32649D4-C176-AB45-91B7-B53A7875AE28}">
+          <p14:sldIdLst>
             <p14:sldId id="269"/>
             <p14:sldId id="270"/>
           </p14:sldIdLst>
         </p14:section>
+        <p14:section name="End and Sources" id="{6FD96084-7151-A549-835D-9072696BC021}">
+          <p14:sldIdLst>
+            <p14:sldId id="271"/>
+            <p14:sldId id="272"/>
+          </p14:sldIdLst>
+        </p14:section>
       </p14:sectionLst>
+    </p:ext>
+    <p:ext uri="{EFAFB233-063F-42B5-8137-9DF3F51BA10A}">
+      <p15:sldGuideLst xmlns:p15="http://schemas.microsoft.com/office/powerpoint/2012/main"/>
     </p:ext>
   </p:extLst>
 </p:presentation>
@@ -11535,6 +11558,93 @@
 </p:notes>
 </file>
 
+<file path=ppt/notesSlides/notesSlide4.xml><?xml version="1.0" encoding="utf-8"?>
+<p:notes xmlns:a="http://schemas.openxmlformats.org/drawingml/2006/main" xmlns:r="http://schemas.openxmlformats.org/officeDocument/2006/relationships" xmlns:p="http://schemas.openxmlformats.org/presentationml/2006/main">
+  <p:cSld>
+    <p:spTree>
+      <p:nvGrpSpPr>
+        <p:cNvPr id="1" name=""/>
+        <p:cNvGrpSpPr/>
+        <p:nvPr/>
+      </p:nvGrpSpPr>
+      <p:grpSpPr>
+        <a:xfrm>
+          <a:off x="0" y="0"/>
+          <a:ext cx="0" cy="0"/>
+          <a:chOff x="0" y="0"/>
+          <a:chExt cx="0" cy="0"/>
+        </a:xfrm>
+      </p:grpSpPr>
+      <p:sp>
+        <p:nvSpPr>
+          <p:cNvPr id="2" name="Slide Image Placeholder 1"/>
+          <p:cNvSpPr>
+            <a:spLocks noGrp="1" noRot="1" noChangeAspect="1"/>
+          </p:cNvSpPr>
+          <p:nvPr>
+            <p:ph type="sldImg"/>
+          </p:nvPr>
+        </p:nvSpPr>
+        <p:spPr/>
+      </p:sp>
+      <p:sp>
+        <p:nvSpPr>
+          <p:cNvPr id="3" name="Notes Placeholder 2"/>
+          <p:cNvSpPr>
+            <a:spLocks noGrp="1"/>
+          </p:cNvSpPr>
+          <p:nvPr>
+            <p:ph type="body" idx="1"/>
+          </p:nvPr>
+        </p:nvSpPr>
+        <p:spPr/>
+        <p:txBody>
+          <a:bodyPr/>
+          <a:lstStyle/>
+          <a:p>
+            <a:r>
+              <a:rPr lang="en-CH" dirty="0"/>
+              <a:t>Say what we needed our model to be able to do: give each car an individual driving style   -&gt; So we chose IDM</a:t>
+            </a:r>
+          </a:p>
+        </p:txBody>
+      </p:sp>
+      <p:sp>
+        <p:nvSpPr>
+          <p:cNvPr id="4" name="Slide Number Placeholder 3"/>
+          <p:cNvSpPr>
+            <a:spLocks noGrp="1"/>
+          </p:cNvSpPr>
+          <p:nvPr>
+            <p:ph type="sldNum" sz="quarter" idx="5"/>
+          </p:nvPr>
+        </p:nvSpPr>
+        <p:spPr/>
+        <p:txBody>
+          <a:bodyPr/>
+          <a:lstStyle/>
+          <a:p>
+            <a:fld id="{8EEEE0A3-C29D-054F-999F-F783C4B8790C}" type="slidenum">
+              <a:rPr lang="en-CH" smtClean="0"/>
+              <a:t>12</a:t>
+            </a:fld>
+            <a:endParaRPr lang="en-CH"/>
+          </a:p>
+        </p:txBody>
+      </p:sp>
+    </p:spTree>
+    <p:extLst>
+      <p:ext uri="{BB962C8B-B14F-4D97-AF65-F5344CB8AC3E}">
+        <p14:creationId xmlns:p14="http://schemas.microsoft.com/office/powerpoint/2010/main" val="262726001"/>
+      </p:ext>
+    </p:extLst>
+  </p:cSld>
+  <p:clrMapOvr>
+    <a:masterClrMapping/>
+  </p:clrMapOvr>
+</p:notes>
+</file>
+
 <file path=ppt/slideLayouts/slideLayout1.xml><?xml version="1.0" encoding="utf-8"?>
 <p:sldLayout xmlns:a="http://schemas.openxmlformats.org/drawingml/2006/main" xmlns:r="http://schemas.openxmlformats.org/officeDocument/2006/relationships" xmlns:p="http://schemas.openxmlformats.org/presentationml/2006/main" type="title" preserve="1">
   <p:cSld name="Title Slide">
@@ -14798,13 +14908,13 @@
   <p:clrMapOvr>
     <a:masterClrMapping/>
   </p:clrMapOvr>
-  <mc:AlternateContent xmlns:mc="http://schemas.openxmlformats.org/markup-compatibility/2006">
-    <mc:Choice xmlns:p159="http://schemas.microsoft.com/office/powerpoint/2015/09/main" Requires="p159">
+  <mc:AlternateContent xmlns:mc="http://schemas.openxmlformats.org/markup-compatibility/2006" xmlns:p159="http://schemas.microsoft.com/office/powerpoint/2015/09/main">
+    <mc:Choice Requires="p159">
       <p:transition xmlns:p14="http://schemas.microsoft.com/office/powerpoint/2010/main" spd="slow" p14:dur="2000">
         <p159:morph option="byObject"/>
       </p:transition>
     </mc:Choice>
-    <mc:Fallback>
+    <mc:Fallback xmlns="">
       <p:transition spd="slow">
         <p:fade/>
       </p:transition>
@@ -14918,52 +15028,6 @@
           </a:p>
         </p:txBody>
       </p:sp>
-      <p:sp>
-        <p:nvSpPr>
-          <p:cNvPr id="14" name="Rectangle 13">
-            <a:extLst>
-              <a:ext uri="{FF2B5EF4-FFF2-40B4-BE49-F238E27FC236}">
-                <a16:creationId xmlns:a16="http://schemas.microsoft.com/office/drawing/2014/main" id="{4916A082-1977-344E-A216-720E6991560F}"/>
-              </a:ext>
-            </a:extLst>
-          </p:cNvPr>
-          <p:cNvSpPr/>
-          <p:nvPr/>
-        </p:nvSpPr>
-        <p:spPr>
-          <a:xfrm>
-            <a:off x="477980" y="625683"/>
-            <a:ext cx="707137" cy="146305"/>
-          </a:xfrm>
-          <a:prstGeom prst="rect">
-            <a:avLst/>
-          </a:prstGeom>
-        </p:spPr>
-        <p:style>
-          <a:lnRef idx="2">
-            <a:schemeClr val="dk1">
-              <a:shade val="50000"/>
-            </a:schemeClr>
-          </a:lnRef>
-          <a:fillRef idx="1">
-            <a:schemeClr val="dk1"/>
-          </a:fillRef>
-          <a:effectRef idx="0">
-            <a:schemeClr val="dk1"/>
-          </a:effectRef>
-          <a:fontRef idx="minor">
-            <a:schemeClr val="lt1"/>
-          </a:fontRef>
-        </p:style>
-        <p:txBody>
-          <a:bodyPr rtlCol="0" anchor="ctr"/>
-          <a:lstStyle/>
-          <a:p>
-            <a:pPr algn="ctr"/>
-            <a:endParaRPr lang="en-CH"/>
-          </a:p>
-        </p:txBody>
-      </p:sp>
     </p:spTree>
     <p:extLst>
       <p:ext uri="{BB962C8B-B14F-4D97-AF65-F5344CB8AC3E}">
@@ -14974,13 +15038,13 @@
   <p:clrMapOvr>
     <a:masterClrMapping/>
   </p:clrMapOvr>
-  <mc:AlternateContent xmlns:mc="http://schemas.openxmlformats.org/markup-compatibility/2006">
-    <mc:Choice xmlns:p159="http://schemas.microsoft.com/office/powerpoint/2015/09/main" Requires="p159">
+  <mc:AlternateContent xmlns:mc="http://schemas.openxmlformats.org/markup-compatibility/2006" xmlns:p159="http://schemas.microsoft.com/office/powerpoint/2015/09/main">
+    <mc:Choice Requires="p159">
       <p:transition xmlns:p14="http://schemas.microsoft.com/office/powerpoint/2010/main" spd="slow" p14:dur="1500">
         <p159:morph option="byObject"/>
       </p:transition>
     </mc:Choice>
-    <mc:Fallback>
+    <mc:Fallback xmlns="">
       <p:transition spd="slow">
         <p:fade/>
       </p:transition>
@@ -15142,13 +15206,311 @@
   <p:clrMapOvr>
     <a:masterClrMapping/>
   </p:clrMapOvr>
-  <mc:AlternateContent xmlns:mc="http://schemas.openxmlformats.org/markup-compatibility/2006">
-    <mc:Choice xmlns:p159="http://schemas.microsoft.com/office/powerpoint/2015/09/main" Requires="p159">
+  <mc:AlternateContent xmlns:mc="http://schemas.openxmlformats.org/markup-compatibility/2006" xmlns:p159="http://schemas.microsoft.com/office/powerpoint/2015/09/main">
+    <mc:Choice Requires="p159">
       <p:transition xmlns:p14="http://schemas.microsoft.com/office/powerpoint/2010/main" spd="slow" p14:dur="1500">
         <p159:morph option="byObject"/>
       </p:transition>
     </mc:Choice>
-    <mc:Fallback>
+    <mc:Fallback xmlns="">
+      <p:transition spd="slow">
+        <p:fade/>
+      </p:transition>
+    </mc:Fallback>
+  </mc:AlternateContent>
+</p:sld>
+</file>
+
+<file path=ppt/slides/slide12.xml><?xml version="1.0" encoding="utf-8"?>
+<p:sld xmlns:a="http://schemas.openxmlformats.org/drawingml/2006/main" xmlns:r="http://schemas.openxmlformats.org/officeDocument/2006/relationships" xmlns:p="http://schemas.openxmlformats.org/presentationml/2006/main">
+  <p:cSld>
+    <p:spTree>
+      <p:nvGrpSpPr>
+        <p:cNvPr id="1" name=""/>
+        <p:cNvGrpSpPr/>
+        <p:nvPr/>
+      </p:nvGrpSpPr>
+      <p:grpSpPr>
+        <a:xfrm>
+          <a:off x="0" y="0"/>
+          <a:ext cx="0" cy="0"/>
+          <a:chOff x="0" y="0"/>
+          <a:chExt cx="0" cy="0"/>
+        </a:xfrm>
+      </p:grpSpPr>
+      <p:pic>
+        <p:nvPicPr>
+          <p:cNvPr id="12" name="Picture 11">
+            <a:extLst>
+              <a:ext uri="{FF2B5EF4-FFF2-40B4-BE49-F238E27FC236}">
+                <a16:creationId xmlns:a16="http://schemas.microsoft.com/office/drawing/2014/main" id="{59EA5B78-95F9-8B44-B7B2-0575CD798836}"/>
+              </a:ext>
+            </a:extLst>
+          </p:cNvPr>
+          <p:cNvPicPr>
+            <a:picLocks noChangeAspect="1"/>
+          </p:cNvPicPr>
+          <p:nvPr/>
+        </p:nvPicPr>
+        <p:blipFill rotWithShape="1">
+          <a:blip r:embed="rId3">
+            <a:alphaModFix amt="40000"/>
+          </a:blip>
+          <a:srcRect t="10000"/>
+          <a:stretch/>
+        </p:blipFill>
+        <p:spPr>
+          <a:xfrm>
+            <a:off x="20" y="10"/>
+            <a:ext cx="12191980" cy="6857990"/>
+          </a:xfrm>
+          <a:prstGeom prst="rect">
+            <a:avLst/>
+          </a:prstGeom>
+        </p:spPr>
+      </p:pic>
+      <p:sp>
+        <p:nvSpPr>
+          <p:cNvPr id="15" name="Title 1">
+            <a:extLst>
+              <a:ext uri="{FF2B5EF4-FFF2-40B4-BE49-F238E27FC236}">
+                <a16:creationId xmlns:a16="http://schemas.microsoft.com/office/drawing/2014/main" id="{D97919B2-03A1-A044-9256-C680FC510B42}"/>
+              </a:ext>
+            </a:extLst>
+          </p:cNvPr>
+          <p:cNvSpPr>
+            <a:spLocks noGrp="1"/>
+          </p:cNvSpPr>
+          <p:nvPr>
+            <p:ph type="ctrTitle"/>
+          </p:nvPr>
+        </p:nvSpPr>
+        <p:spPr>
+          <a:xfrm>
+            <a:off x="831548" y="1541029"/>
+            <a:ext cx="11226780" cy="3564869"/>
+          </a:xfrm>
+        </p:spPr>
+        <p:txBody>
+          <a:bodyPr>
+            <a:normAutofit/>
+          </a:bodyPr>
+          <a:lstStyle/>
+          <a:p>
+            <a:pPr algn="l"/>
+            <a:r>
+              <a:rPr lang="en-GB" sz="11500" b="1" dirty="0">
+                <a:ln w="22225">
+                  <a:solidFill>
+                    <a:schemeClr val="tx1"/>
+                  </a:solidFill>
+                  <a:miter lim="800000"/>
+                </a:ln>
+                <a:noFill/>
+                <a:latin typeface="Century" panose="02040604050505020304" pitchFamily="18" charset="0"/>
+                <a:cs typeface="Arial" panose="020B0604020202020204" pitchFamily="34" charset="0"/>
+              </a:rPr>
+              <a:t>Thank you for your Attention</a:t>
+            </a:r>
+            <a:endParaRPr lang="en-CH" sz="11500" b="1" dirty="0">
+              <a:ln w="22225">
+                <a:solidFill>
+                  <a:schemeClr val="tx1"/>
+                </a:solidFill>
+                <a:miter lim="800000"/>
+              </a:ln>
+              <a:noFill/>
+              <a:latin typeface="Century" panose="02040604050505020304" pitchFamily="18" charset="0"/>
+              <a:cs typeface="Arial" panose="020B0604020202020204" pitchFamily="34" charset="0"/>
+            </a:endParaRPr>
+          </a:p>
+        </p:txBody>
+      </p:sp>
+    </p:spTree>
+    <p:extLst>
+      <p:ext uri="{BB962C8B-B14F-4D97-AF65-F5344CB8AC3E}">
+        <p14:creationId xmlns:p14="http://schemas.microsoft.com/office/powerpoint/2010/main" val="1879903149"/>
+      </p:ext>
+    </p:extLst>
+  </p:cSld>
+  <p:clrMapOvr>
+    <a:masterClrMapping/>
+  </p:clrMapOvr>
+  <mc:AlternateContent xmlns:mc="http://schemas.openxmlformats.org/markup-compatibility/2006" xmlns:p159="http://schemas.microsoft.com/office/powerpoint/2015/09/main">
+    <mc:Choice Requires="p159">
+      <p:transition xmlns:p14="http://schemas.microsoft.com/office/powerpoint/2010/main" spd="slow" p14:dur="1500">
+        <p159:morph option="byObject"/>
+      </p:transition>
+    </mc:Choice>
+    <mc:Fallback xmlns="">
+      <p:transition spd="slow">
+        <p:fade/>
+      </p:transition>
+    </mc:Fallback>
+  </mc:AlternateContent>
+</p:sld>
+</file>
+
+<file path=ppt/slides/slide13.xml><?xml version="1.0" encoding="utf-8"?>
+<p:sld xmlns:a="http://schemas.openxmlformats.org/drawingml/2006/main" xmlns:r="http://schemas.openxmlformats.org/officeDocument/2006/relationships" xmlns:p="http://schemas.openxmlformats.org/presentationml/2006/main">
+  <p:cSld>
+    <p:spTree>
+      <p:nvGrpSpPr>
+        <p:cNvPr id="1" name=""/>
+        <p:cNvGrpSpPr/>
+        <p:nvPr/>
+      </p:nvGrpSpPr>
+      <p:grpSpPr>
+        <a:xfrm>
+          <a:off x="0" y="0"/>
+          <a:ext cx="0" cy="0"/>
+          <a:chOff x="0" y="0"/>
+          <a:chExt cx="0" cy="0"/>
+        </a:xfrm>
+      </p:grpSpPr>
+      <p:pic>
+        <p:nvPicPr>
+          <p:cNvPr id="12" name="Picture 11">
+            <a:extLst>
+              <a:ext uri="{FF2B5EF4-FFF2-40B4-BE49-F238E27FC236}">
+                <a16:creationId xmlns:a16="http://schemas.microsoft.com/office/drawing/2014/main" id="{59EA5B78-95F9-8B44-B7B2-0575CD798836}"/>
+              </a:ext>
+            </a:extLst>
+          </p:cNvPr>
+          <p:cNvPicPr>
+            <a:picLocks noChangeAspect="1"/>
+          </p:cNvPicPr>
+          <p:nvPr/>
+        </p:nvPicPr>
+        <p:blipFill rotWithShape="1">
+          <a:blip r:embed="rId2">
+            <a:alphaModFix amt="15000"/>
+          </a:blip>
+          <a:srcRect t="9091" r="28181" b="-1"/>
+          <a:stretch/>
+        </p:blipFill>
+        <p:spPr>
+          <a:xfrm>
+            <a:off x="0" y="10"/>
+            <a:ext cx="12192000" cy="9645556"/>
+          </a:xfrm>
+          <a:prstGeom prst="rect">
+            <a:avLst/>
+          </a:prstGeom>
+        </p:spPr>
+      </p:pic>
+      <p:sp>
+        <p:nvSpPr>
+          <p:cNvPr id="14" name="Rectangle 13">
+            <a:extLst>
+              <a:ext uri="{FF2B5EF4-FFF2-40B4-BE49-F238E27FC236}">
+                <a16:creationId xmlns:a16="http://schemas.microsoft.com/office/drawing/2014/main" id="{4916A082-1977-344E-A216-720E6991560F}"/>
+              </a:ext>
+            </a:extLst>
+          </p:cNvPr>
+          <p:cNvSpPr/>
+          <p:nvPr/>
+        </p:nvSpPr>
+        <p:spPr>
+          <a:xfrm>
+            <a:off x="477980" y="625683"/>
+            <a:ext cx="707137" cy="146305"/>
+          </a:xfrm>
+          <a:prstGeom prst="rect">
+            <a:avLst/>
+          </a:prstGeom>
+        </p:spPr>
+        <p:style>
+          <a:lnRef idx="2">
+            <a:schemeClr val="dk1">
+              <a:shade val="50000"/>
+            </a:schemeClr>
+          </a:lnRef>
+          <a:fillRef idx="1">
+            <a:schemeClr val="dk1"/>
+          </a:fillRef>
+          <a:effectRef idx="0">
+            <a:schemeClr val="dk1"/>
+          </a:effectRef>
+          <a:fontRef idx="minor">
+            <a:schemeClr val="lt1"/>
+          </a:fontRef>
+        </p:style>
+        <p:txBody>
+          <a:bodyPr rtlCol="0" anchor="ctr"/>
+          <a:lstStyle/>
+          <a:p>
+            <a:pPr algn="ctr"/>
+            <a:endParaRPr lang="en-CH"/>
+          </a:p>
+        </p:txBody>
+      </p:sp>
+      <p:sp>
+        <p:nvSpPr>
+          <p:cNvPr id="15" name="Title 1">
+            <a:extLst>
+              <a:ext uri="{FF2B5EF4-FFF2-40B4-BE49-F238E27FC236}">
+                <a16:creationId xmlns:a16="http://schemas.microsoft.com/office/drawing/2014/main" id="{D97919B2-03A1-A044-9256-C680FC510B42}"/>
+              </a:ext>
+            </a:extLst>
+          </p:cNvPr>
+          <p:cNvSpPr>
+            <a:spLocks noGrp="1"/>
+          </p:cNvSpPr>
+          <p:nvPr>
+            <p:ph type="ctrTitle"/>
+          </p:nvPr>
+        </p:nvSpPr>
+        <p:spPr>
+          <a:xfrm>
+            <a:off x="1185116" y="625683"/>
+            <a:ext cx="8575109" cy="830079"/>
+          </a:xfrm>
+        </p:spPr>
+        <p:txBody>
+          <a:bodyPr anchor="b">
+            <a:normAutofit/>
+          </a:bodyPr>
+          <a:lstStyle/>
+          <a:p>
+            <a:pPr algn="l"/>
+            <a:r>
+              <a:rPr lang="en-GB" sz="4400" b="1" dirty="0">
+                <a:solidFill>
+                  <a:schemeClr val="tx2"/>
+                </a:solidFill>
+                <a:latin typeface="Century" panose="02040604050505020304" pitchFamily="18" charset="0"/>
+                <a:cs typeface="Arial" panose="020B0604020202020204" pitchFamily="34" charset="0"/>
+              </a:rPr>
+              <a:t>Sources</a:t>
+            </a:r>
+            <a:endParaRPr lang="en-CH" sz="4400" b="1" dirty="0">
+              <a:solidFill>
+                <a:schemeClr val="tx2"/>
+              </a:solidFill>
+              <a:latin typeface="Century" panose="02040604050505020304" pitchFamily="18" charset="0"/>
+              <a:cs typeface="Arial" panose="020B0604020202020204" pitchFamily="34" charset="0"/>
+            </a:endParaRPr>
+          </a:p>
+        </p:txBody>
+      </p:sp>
+    </p:spTree>
+    <p:extLst>
+      <p:ext uri="{BB962C8B-B14F-4D97-AF65-F5344CB8AC3E}">
+        <p14:creationId xmlns:p14="http://schemas.microsoft.com/office/powerpoint/2010/main" val="1748963452"/>
+      </p:ext>
+    </p:extLst>
+  </p:cSld>
+  <p:clrMapOvr>
+    <a:masterClrMapping/>
+  </p:clrMapOvr>
+  <mc:AlternateContent xmlns:mc="http://schemas.openxmlformats.org/markup-compatibility/2006" xmlns:p159="http://schemas.microsoft.com/office/powerpoint/2015/09/main">
+    <mc:Choice Requires="p159">
+      <p:transition xmlns:p14="http://schemas.microsoft.com/office/powerpoint/2010/main" spd="slow" p14:dur="1500">
+        <p159:morph option="byObject"/>
+      </p:transition>
+    </mc:Choice>
+    <mc:Fallback xmlns="">
       <p:transition spd="slow">
         <p:fade/>
       </p:transition>
@@ -15653,13 +16015,13 @@
   <p:clrMapOvr>
     <a:masterClrMapping/>
   </p:clrMapOvr>
-  <mc:AlternateContent xmlns:mc="http://schemas.openxmlformats.org/markup-compatibility/2006">
-    <mc:Choice xmlns:p159="http://schemas.microsoft.com/office/powerpoint/2015/09/main" Requires="p159">
+  <mc:AlternateContent xmlns:mc="http://schemas.openxmlformats.org/markup-compatibility/2006" xmlns:p159="http://schemas.microsoft.com/office/powerpoint/2015/09/main">
+    <mc:Choice Requires="p159">
       <p:transition xmlns:p14="http://schemas.microsoft.com/office/powerpoint/2010/main" spd="slow" p14:dur="1250">
         <p159:morph option="byObject"/>
       </p:transition>
     </mc:Choice>
-    <mc:Fallback>
+    <mc:Fallback xmlns="">
       <p:transition spd="slow">
         <p:fade/>
       </p:transition>
@@ -16350,13 +16712,13 @@
   <p:clrMapOvr>
     <a:masterClrMapping/>
   </p:clrMapOvr>
-  <mc:AlternateContent xmlns:mc="http://schemas.openxmlformats.org/markup-compatibility/2006">
-    <mc:Choice xmlns:p159="http://schemas.microsoft.com/office/powerpoint/2015/09/main" Requires="p159">
+  <mc:AlternateContent xmlns:mc="http://schemas.openxmlformats.org/markup-compatibility/2006" xmlns:p159="http://schemas.microsoft.com/office/powerpoint/2015/09/main">
+    <mc:Choice Requires="p159">
       <p:transition xmlns:p14="http://schemas.microsoft.com/office/powerpoint/2010/main" spd="slow" p14:dur="1500">
         <p159:morph option="byObject"/>
       </p:transition>
     </mc:Choice>
-    <mc:Fallback>
+    <mc:Fallback xmlns="">
       <p:transition spd="slow">
         <p:fade/>
       </p:transition>
@@ -16920,7 +17282,7 @@
         </p:blipFill>
         <p:spPr>
           <a:xfrm>
-            <a:off x="20" y="10"/>
+            <a:off x="0" y="10"/>
             <a:ext cx="12191980" cy="6857990"/>
           </a:xfrm>
           <a:prstGeom prst="rect">
@@ -16985,52 +17347,6 @@
           </a:p>
         </p:txBody>
       </p:sp>
-      <p:sp>
-        <p:nvSpPr>
-          <p:cNvPr id="14" name="Rectangle 13">
-            <a:extLst>
-              <a:ext uri="{FF2B5EF4-FFF2-40B4-BE49-F238E27FC236}">
-                <a16:creationId xmlns:a16="http://schemas.microsoft.com/office/drawing/2014/main" id="{4916A082-1977-344E-A216-720E6991560F}"/>
-              </a:ext>
-            </a:extLst>
-          </p:cNvPr>
-          <p:cNvSpPr/>
-          <p:nvPr/>
-        </p:nvSpPr>
-        <p:spPr>
-          <a:xfrm>
-            <a:off x="477980" y="625683"/>
-            <a:ext cx="707137" cy="146305"/>
-          </a:xfrm>
-          <a:prstGeom prst="rect">
-            <a:avLst/>
-          </a:prstGeom>
-        </p:spPr>
-        <p:style>
-          <a:lnRef idx="2">
-            <a:schemeClr val="dk1">
-              <a:shade val="50000"/>
-            </a:schemeClr>
-          </a:lnRef>
-          <a:fillRef idx="1">
-            <a:schemeClr val="dk1"/>
-          </a:fillRef>
-          <a:effectRef idx="0">
-            <a:schemeClr val="dk1"/>
-          </a:effectRef>
-          <a:fontRef idx="minor">
-            <a:schemeClr val="lt1"/>
-          </a:fontRef>
-        </p:style>
-        <p:txBody>
-          <a:bodyPr rtlCol="0" anchor="ctr"/>
-          <a:lstStyle/>
-          <a:p>
-            <a:pPr algn="ctr"/>
-            <a:endParaRPr lang="en-CH"/>
-          </a:p>
-        </p:txBody>
-      </p:sp>
     </p:spTree>
     <p:extLst>
       <p:ext uri="{BB962C8B-B14F-4D97-AF65-F5344CB8AC3E}">
@@ -17041,13 +17357,13 @@
   <p:clrMapOvr>
     <a:masterClrMapping/>
   </p:clrMapOvr>
-  <mc:AlternateContent xmlns:mc="http://schemas.openxmlformats.org/markup-compatibility/2006">
-    <mc:Choice xmlns:p159="http://schemas.microsoft.com/office/powerpoint/2015/09/main" Requires="p159">
+  <mc:AlternateContent xmlns:mc="http://schemas.openxmlformats.org/markup-compatibility/2006" xmlns:p159="http://schemas.microsoft.com/office/powerpoint/2015/09/main">
+    <mc:Choice Requires="p159">
       <p:transition xmlns:p14="http://schemas.microsoft.com/office/powerpoint/2010/main" spd="slow" p14:dur="1500">
         <p159:morph option="byObject"/>
       </p:transition>
     </mc:Choice>
-    <mc:Fallback>
+    <mc:Fallback xmlns="">
       <p:transition spd="slow">
         <p:fade/>
       </p:transition>
@@ -17309,13 +17625,13 @@
   <p:clrMapOvr>
     <a:masterClrMapping/>
   </p:clrMapOvr>
-  <mc:AlternateContent xmlns:mc="http://schemas.openxmlformats.org/markup-compatibility/2006">
-    <mc:Choice xmlns:p159="http://schemas.microsoft.com/office/powerpoint/2015/09/main" Requires="p159">
+  <mc:AlternateContent xmlns:mc="http://schemas.openxmlformats.org/markup-compatibility/2006" xmlns:p159="http://schemas.microsoft.com/office/powerpoint/2015/09/main">
+    <mc:Choice Requires="p159">
       <p:transition xmlns:p14="http://schemas.microsoft.com/office/powerpoint/2010/main" spd="slow" p14:dur="1500">
         <p159:morph option="byObject"/>
       </p:transition>
     </mc:Choice>
-    <mc:Fallback>
+    <mc:Fallback xmlns="">
       <p:transition spd="slow">
         <p:fade/>
       </p:transition>
@@ -18101,13 +18417,13 @@
   <p:clrMapOvr>
     <a:masterClrMapping/>
   </p:clrMapOvr>
-  <mc:AlternateContent xmlns:mc="http://schemas.openxmlformats.org/markup-compatibility/2006">
-    <mc:Choice xmlns:p159="http://schemas.microsoft.com/office/powerpoint/2015/09/main" Requires="p159">
+  <mc:AlternateContent xmlns:mc="http://schemas.openxmlformats.org/markup-compatibility/2006" xmlns:p159="http://schemas.microsoft.com/office/powerpoint/2015/09/main">
+    <mc:Choice Requires="p159">
       <p:transition xmlns:p14="http://schemas.microsoft.com/office/powerpoint/2010/main" spd="slow" p14:dur="1500">
         <p159:morph option="byObject"/>
       </p:transition>
     </mc:Choice>
-    <mc:Fallback>
+    <mc:Fallback xmlns="">
       <p:transition spd="slow">
         <p:fade/>
       </p:transition>
@@ -18305,13 +18621,13 @@
   <p:clrMapOvr>
     <a:masterClrMapping/>
   </p:clrMapOvr>
-  <mc:AlternateContent xmlns:mc="http://schemas.openxmlformats.org/markup-compatibility/2006">
-    <mc:Choice xmlns:p159="http://schemas.microsoft.com/office/powerpoint/2015/09/main" Requires="p159">
+  <mc:AlternateContent xmlns:mc="http://schemas.openxmlformats.org/markup-compatibility/2006" xmlns:p159="http://schemas.microsoft.com/office/powerpoint/2015/09/main">
+    <mc:Choice Requires="p159">
       <p:transition xmlns:p14="http://schemas.microsoft.com/office/powerpoint/2010/main" spd="slow" p14:dur="1500">
         <p159:morph option="byObject"/>
       </p:transition>
     </mc:Choice>
-    <mc:Fallback>
+    <mc:Fallback xmlns="">
       <p:transition spd="slow">
         <p:fade/>
       </p:transition>
@@ -18425,52 +18741,6 @@
           </a:p>
         </p:txBody>
       </p:sp>
-      <p:sp>
-        <p:nvSpPr>
-          <p:cNvPr id="14" name="Rectangle 13">
-            <a:extLst>
-              <a:ext uri="{FF2B5EF4-FFF2-40B4-BE49-F238E27FC236}">
-                <a16:creationId xmlns:a16="http://schemas.microsoft.com/office/drawing/2014/main" id="{4916A082-1977-344E-A216-720E6991560F}"/>
-              </a:ext>
-            </a:extLst>
-          </p:cNvPr>
-          <p:cNvSpPr/>
-          <p:nvPr/>
-        </p:nvSpPr>
-        <p:spPr>
-          <a:xfrm>
-            <a:off x="477980" y="625683"/>
-            <a:ext cx="707137" cy="146305"/>
-          </a:xfrm>
-          <a:prstGeom prst="rect">
-            <a:avLst/>
-          </a:prstGeom>
-        </p:spPr>
-        <p:style>
-          <a:lnRef idx="2">
-            <a:schemeClr val="dk1">
-              <a:shade val="50000"/>
-            </a:schemeClr>
-          </a:lnRef>
-          <a:fillRef idx="1">
-            <a:schemeClr val="dk1"/>
-          </a:fillRef>
-          <a:effectRef idx="0">
-            <a:schemeClr val="dk1"/>
-          </a:effectRef>
-          <a:fontRef idx="minor">
-            <a:schemeClr val="lt1"/>
-          </a:fontRef>
-        </p:style>
-        <p:txBody>
-          <a:bodyPr rtlCol="0" anchor="ctr"/>
-          <a:lstStyle/>
-          <a:p>
-            <a:pPr algn="ctr"/>
-            <a:endParaRPr lang="en-CH"/>
-          </a:p>
-        </p:txBody>
-      </p:sp>
     </p:spTree>
     <p:extLst>
       <p:ext uri="{BB962C8B-B14F-4D97-AF65-F5344CB8AC3E}">
@@ -18481,13 +18751,13 @@
   <p:clrMapOvr>
     <a:masterClrMapping/>
   </p:clrMapOvr>
-  <mc:AlternateContent xmlns:mc="http://schemas.openxmlformats.org/markup-compatibility/2006">
-    <mc:Choice xmlns:p159="http://schemas.microsoft.com/office/powerpoint/2015/09/main" Requires="p159">
+  <mc:AlternateContent xmlns:mc="http://schemas.openxmlformats.org/markup-compatibility/2006" xmlns:p159="http://schemas.microsoft.com/office/powerpoint/2015/09/main">
+    <mc:Choice Requires="p159">
       <p:transition xmlns:p14="http://schemas.microsoft.com/office/powerpoint/2010/main" spd="slow" p14:dur="1500">
         <p159:morph option="byObject"/>
       </p:transition>
     </mc:Choice>
-    <mc:Fallback>
+    <mc:Fallback xmlns="">
       <p:transition spd="slow">
         <p:fade/>
       </p:transition>
@@ -18649,13 +18919,13 @@
   <p:clrMapOvr>
     <a:masterClrMapping/>
   </p:clrMapOvr>
-  <mc:AlternateContent xmlns:mc="http://schemas.openxmlformats.org/markup-compatibility/2006">
-    <mc:Choice xmlns:p159="http://schemas.microsoft.com/office/powerpoint/2015/09/main" Requires="p159">
+  <mc:AlternateContent xmlns:mc="http://schemas.openxmlformats.org/markup-compatibility/2006" xmlns:p159="http://schemas.microsoft.com/office/powerpoint/2015/09/main">
+    <mc:Choice Requires="p159">
       <p:transition xmlns:p14="http://schemas.microsoft.com/office/powerpoint/2010/main" spd="slow" p14:dur="1500">
         <p159:morph option="byObject"/>
       </p:transition>
     </mc:Choice>
-    <mc:Fallback>
+    <mc:Fallback xmlns="">
       <p:transition spd="slow">
         <p:fade/>
       </p:transition>
